--- a/proxmox基本介紹&操作備分.pptx
+++ b/proxmox基本介紹&操作備分.pptx
@@ -111,6 +111,11 @@
       </a:defRPr>
     </a:lvl9pPr>
   </p:defaultTextStyle>
+  <p:extLst>
+    <p:ext uri="{EFAFB233-063F-42B5-8137-9DF3F51BA10A}">
+      <p15:sldGuideLst xmlns:p15="http://schemas.microsoft.com/office/powerpoint/2012/main"/>
+    </p:ext>
+  </p:extLst>
 </p:presentation>
 </file>
 
@@ -261,7 +266,7 @@
           <a:p>
             <a:fld id="{2D26516F-9797-426F-B42A-201D0F9719D1}" type="datetimeFigureOut">
               <a:rPr lang="zh-TW" altLang="en-US" smtClean="0"/>
-              <a:t>2023/12/25</a:t>
+              <a:t>2023/12/26</a:t>
             </a:fld>
             <a:endParaRPr lang="zh-TW" altLang="en-US"/>
           </a:p>
@@ -459,7 +464,7 @@
           <a:p>
             <a:fld id="{2D26516F-9797-426F-B42A-201D0F9719D1}" type="datetimeFigureOut">
               <a:rPr lang="zh-TW" altLang="en-US" smtClean="0"/>
-              <a:t>2023/12/25</a:t>
+              <a:t>2023/12/26</a:t>
             </a:fld>
             <a:endParaRPr lang="zh-TW" altLang="en-US"/>
           </a:p>
@@ -667,7 +672,7 @@
           <a:p>
             <a:fld id="{2D26516F-9797-426F-B42A-201D0F9719D1}" type="datetimeFigureOut">
               <a:rPr lang="zh-TW" altLang="en-US" smtClean="0"/>
-              <a:t>2023/12/25</a:t>
+              <a:t>2023/12/26</a:t>
             </a:fld>
             <a:endParaRPr lang="zh-TW" altLang="en-US"/>
           </a:p>
@@ -865,7 +870,7 @@
           <a:p>
             <a:fld id="{2D26516F-9797-426F-B42A-201D0F9719D1}" type="datetimeFigureOut">
               <a:rPr lang="zh-TW" altLang="en-US" smtClean="0"/>
-              <a:t>2023/12/25</a:t>
+              <a:t>2023/12/26</a:t>
             </a:fld>
             <a:endParaRPr lang="zh-TW" altLang="en-US"/>
           </a:p>
@@ -1140,7 +1145,7 @@
           <a:p>
             <a:fld id="{2D26516F-9797-426F-B42A-201D0F9719D1}" type="datetimeFigureOut">
               <a:rPr lang="zh-TW" altLang="en-US" smtClean="0"/>
-              <a:t>2023/12/25</a:t>
+              <a:t>2023/12/26</a:t>
             </a:fld>
             <a:endParaRPr lang="zh-TW" altLang="en-US"/>
           </a:p>
@@ -1405,7 +1410,7 @@
           <a:p>
             <a:fld id="{2D26516F-9797-426F-B42A-201D0F9719D1}" type="datetimeFigureOut">
               <a:rPr lang="zh-TW" altLang="en-US" smtClean="0"/>
-              <a:t>2023/12/25</a:t>
+              <a:t>2023/12/26</a:t>
             </a:fld>
             <a:endParaRPr lang="zh-TW" altLang="en-US"/>
           </a:p>
@@ -1817,7 +1822,7 @@
           <a:p>
             <a:fld id="{2D26516F-9797-426F-B42A-201D0F9719D1}" type="datetimeFigureOut">
               <a:rPr lang="zh-TW" altLang="en-US" smtClean="0"/>
-              <a:t>2023/12/25</a:t>
+              <a:t>2023/12/26</a:t>
             </a:fld>
             <a:endParaRPr lang="zh-TW" altLang="en-US"/>
           </a:p>
@@ -1958,7 +1963,7 @@
           <a:p>
             <a:fld id="{2D26516F-9797-426F-B42A-201D0F9719D1}" type="datetimeFigureOut">
               <a:rPr lang="zh-TW" altLang="en-US" smtClean="0"/>
-              <a:t>2023/12/25</a:t>
+              <a:t>2023/12/26</a:t>
             </a:fld>
             <a:endParaRPr lang="zh-TW" altLang="en-US"/>
           </a:p>
@@ -2071,7 +2076,7 @@
           <a:p>
             <a:fld id="{2D26516F-9797-426F-B42A-201D0F9719D1}" type="datetimeFigureOut">
               <a:rPr lang="zh-TW" altLang="en-US" smtClean="0"/>
-              <a:t>2023/12/25</a:t>
+              <a:t>2023/12/26</a:t>
             </a:fld>
             <a:endParaRPr lang="zh-TW" altLang="en-US"/>
           </a:p>
@@ -2382,7 +2387,7 @@
           <a:p>
             <a:fld id="{2D26516F-9797-426F-B42A-201D0F9719D1}" type="datetimeFigureOut">
               <a:rPr lang="zh-TW" altLang="en-US" smtClean="0"/>
-              <a:t>2023/12/25</a:t>
+              <a:t>2023/12/26</a:t>
             </a:fld>
             <a:endParaRPr lang="zh-TW" altLang="en-US"/>
           </a:p>
@@ -2670,7 +2675,7 @@
           <a:p>
             <a:fld id="{2D26516F-9797-426F-B42A-201D0F9719D1}" type="datetimeFigureOut">
               <a:rPr lang="zh-TW" altLang="en-US" smtClean="0"/>
-              <a:t>2023/12/25</a:t>
+              <a:t>2023/12/26</a:t>
             </a:fld>
             <a:endParaRPr lang="zh-TW" altLang="en-US"/>
           </a:p>
@@ -2911,7 +2916,7 @@
           <a:p>
             <a:fld id="{2D26516F-9797-426F-B42A-201D0F9719D1}" type="datetimeFigureOut">
               <a:rPr lang="zh-TW" altLang="en-US" smtClean="0"/>
-              <a:t>2023/12/25</a:t>
+              <a:t>2023/12/26</a:t>
             </a:fld>
             <a:endParaRPr lang="zh-TW" altLang="en-US"/>
           </a:p>
@@ -3849,6 +3854,46 @@
           </a:p>
         </p:txBody>
       </p:sp>
+      <p:sp>
+        <p:nvSpPr>
+          <p:cNvPr id="5" name="文字方塊 4">
+            <a:extLst>
+              <a:ext uri="{FF2B5EF4-FFF2-40B4-BE49-F238E27FC236}">
+                <a16:creationId xmlns:a16="http://schemas.microsoft.com/office/drawing/2014/main" id="{23B7CD90-60CD-4B65-877E-4085E16BD7A4}"/>
+              </a:ext>
+            </a:extLst>
+          </p:cNvPr>
+          <p:cNvSpPr txBox="1"/>
+          <p:nvPr/>
+        </p:nvSpPr>
+        <p:spPr>
+          <a:xfrm>
+            <a:off x="420757" y="4178294"/>
+            <a:ext cx="9293086" cy="369332"/>
+          </a:xfrm>
+          <a:prstGeom prst="rect">
+            <a:avLst/>
+          </a:prstGeom>
+          <a:noFill/>
+        </p:spPr>
+        <p:txBody>
+          <a:bodyPr wrap="square">
+            <a:spAutoFit/>
+          </a:bodyPr>
+          <a:lstStyle/>
+          <a:p>
+            <a:r>
+              <a:rPr lang="zh-TW" altLang="en-US" dirty="0"/>
+              <a:t>環境介紹</a:t>
+            </a:r>
+            <a:r>
+              <a:rPr lang="en-US" altLang="zh-TW" dirty="0"/>
+              <a:t>:https://pve.proxmox.com/wiki/Graphical_User_Interface</a:t>
+            </a:r>
+            <a:endParaRPr lang="zh-TW" altLang="en-US" dirty="0"/>
+          </a:p>
+        </p:txBody>
+      </p:sp>
     </p:spTree>
     <p:extLst>
       <p:ext uri="{BB962C8B-B14F-4D97-AF65-F5344CB8AC3E}">
